--- a/docs/smell_ml.pptx
+++ b/docs/smell_ml.pptx
@@ -6,6 +6,7 @@
   </p:sldMasterIdLst>
   <p:sldIdLst>
     <p:sldId id="256" r:id="rId2"/>
+    <p:sldId id="257" r:id="rId3"/>
   </p:sldIdLst>
   <p:sldSz cx="12192000" cy="6858000"/>
   <p:notesSz cx="6858000" cy="9144000"/>
@@ -104,6 +105,11 @@
       </a:defRPr>
     </a:lvl9pPr>
   </p:defaultTextStyle>
+  <p:extLst>
+    <p:ext uri="{EFAFB233-063F-42B5-8137-9DF3F51BA10A}">
+      <p15:sldGuideLst xmlns:p15="http://schemas.microsoft.com/office/powerpoint/2012/main"/>
+    </p:ext>
+  </p:extLst>
 </p:presentation>
 </file>
 
@@ -254,7 +260,7 @@
           <a:p>
             <a:fld id="{2517B89C-782E-AA43-A11F-59B16E0D34A0}" type="datetimeFigureOut">
               <a:rPr lang="en-US" smtClean="0"/>
-              <a:t>3/24/21</a:t>
+              <a:t>3/25/21</a:t>
             </a:fld>
             <a:endParaRPr lang="en-US"/>
           </a:p>
@@ -452,7 +458,7 @@
           <a:p>
             <a:fld id="{2517B89C-782E-AA43-A11F-59B16E0D34A0}" type="datetimeFigureOut">
               <a:rPr lang="en-US" smtClean="0"/>
-              <a:t>3/24/21</a:t>
+              <a:t>3/25/21</a:t>
             </a:fld>
             <a:endParaRPr lang="en-US"/>
           </a:p>
@@ -660,7 +666,7 @@
           <a:p>
             <a:fld id="{2517B89C-782E-AA43-A11F-59B16E0D34A0}" type="datetimeFigureOut">
               <a:rPr lang="en-US" smtClean="0"/>
-              <a:t>3/24/21</a:t>
+              <a:t>3/25/21</a:t>
             </a:fld>
             <a:endParaRPr lang="en-US"/>
           </a:p>
@@ -858,7 +864,7 @@
           <a:p>
             <a:fld id="{2517B89C-782E-AA43-A11F-59B16E0D34A0}" type="datetimeFigureOut">
               <a:rPr lang="en-US" smtClean="0"/>
-              <a:t>3/24/21</a:t>
+              <a:t>3/25/21</a:t>
             </a:fld>
             <a:endParaRPr lang="en-US"/>
           </a:p>
@@ -1133,7 +1139,7 @@
           <a:p>
             <a:fld id="{2517B89C-782E-AA43-A11F-59B16E0D34A0}" type="datetimeFigureOut">
               <a:rPr lang="en-US" smtClean="0"/>
-              <a:t>3/24/21</a:t>
+              <a:t>3/25/21</a:t>
             </a:fld>
             <a:endParaRPr lang="en-US"/>
           </a:p>
@@ -1398,7 +1404,7 @@
           <a:p>
             <a:fld id="{2517B89C-782E-AA43-A11F-59B16E0D34A0}" type="datetimeFigureOut">
               <a:rPr lang="en-US" smtClean="0"/>
-              <a:t>3/24/21</a:t>
+              <a:t>3/25/21</a:t>
             </a:fld>
             <a:endParaRPr lang="en-US"/>
           </a:p>
@@ -1810,7 +1816,7 @@
           <a:p>
             <a:fld id="{2517B89C-782E-AA43-A11F-59B16E0D34A0}" type="datetimeFigureOut">
               <a:rPr lang="en-US" smtClean="0"/>
-              <a:t>3/24/21</a:t>
+              <a:t>3/25/21</a:t>
             </a:fld>
             <a:endParaRPr lang="en-US"/>
           </a:p>
@@ -1951,7 +1957,7 @@
           <a:p>
             <a:fld id="{2517B89C-782E-AA43-A11F-59B16E0D34A0}" type="datetimeFigureOut">
               <a:rPr lang="en-US" smtClean="0"/>
-              <a:t>3/24/21</a:t>
+              <a:t>3/25/21</a:t>
             </a:fld>
             <a:endParaRPr lang="en-US"/>
           </a:p>
@@ -2064,7 +2070,7 @@
           <a:p>
             <a:fld id="{2517B89C-782E-AA43-A11F-59B16E0D34A0}" type="datetimeFigureOut">
               <a:rPr lang="en-US" smtClean="0"/>
-              <a:t>3/24/21</a:t>
+              <a:t>3/25/21</a:t>
             </a:fld>
             <a:endParaRPr lang="en-US"/>
           </a:p>
@@ -2375,7 +2381,7 @@
           <a:p>
             <a:fld id="{2517B89C-782E-AA43-A11F-59B16E0D34A0}" type="datetimeFigureOut">
               <a:rPr lang="en-US" smtClean="0"/>
-              <a:t>3/24/21</a:t>
+              <a:t>3/25/21</a:t>
             </a:fld>
             <a:endParaRPr lang="en-US"/>
           </a:p>
@@ -2663,7 +2669,7 @@
           <a:p>
             <a:fld id="{2517B89C-782E-AA43-A11F-59B16E0D34A0}" type="datetimeFigureOut">
               <a:rPr lang="en-US" smtClean="0"/>
-              <a:t>3/24/21</a:t>
+              <a:t>3/25/21</a:t>
             </a:fld>
             <a:endParaRPr lang="en-US"/>
           </a:p>
@@ -2904,7 +2910,7 @@
           <a:p>
             <a:fld id="{2517B89C-782E-AA43-A11F-59B16E0D34A0}" type="datetimeFigureOut">
               <a:rPr lang="en-US" smtClean="0"/>
-              <a:t>3/24/21</a:t>
+              <a:t>3/25/21</a:t>
             </a:fld>
             <a:endParaRPr lang="en-US"/>
           </a:p>
@@ -3668,6 +3674,1691 @@
 </p:sld>
 </file>
 
+<file path=ppt/slides/slide2.xml><?xml version="1.0" encoding="utf-8"?>
+<p:sld xmlns:a="http://schemas.openxmlformats.org/drawingml/2006/main" xmlns:r="http://schemas.openxmlformats.org/officeDocument/2006/relationships" xmlns:p="http://schemas.openxmlformats.org/presentationml/2006/main">
+  <p:cSld>
+    <p:spTree>
+      <p:nvGrpSpPr>
+        <p:cNvPr id="1" name=""/>
+        <p:cNvGrpSpPr/>
+        <p:nvPr/>
+      </p:nvGrpSpPr>
+      <p:grpSpPr>
+        <a:xfrm>
+          <a:off x="0" y="0"/>
+          <a:ext cx="0" cy="0"/>
+          <a:chOff x="0" y="0"/>
+          <a:chExt cx="0" cy="0"/>
+        </a:xfrm>
+      </p:grpSpPr>
+      <p:sp>
+        <p:nvSpPr>
+          <p:cNvPr id="45" name="Rounded Rectangle 44">
+            <a:extLst>
+              <a:ext uri="{FF2B5EF4-FFF2-40B4-BE49-F238E27FC236}">
+                <a16:creationId xmlns:a16="http://schemas.microsoft.com/office/drawing/2014/main" id="{375DA76C-2109-C44F-8F06-3694AF1BFA34}"/>
+              </a:ext>
+            </a:extLst>
+          </p:cNvPr>
+          <p:cNvSpPr/>
+          <p:nvPr/>
+        </p:nvSpPr>
+        <p:spPr>
+          <a:xfrm>
+            <a:off x="2228786" y="604742"/>
+            <a:ext cx="7667306" cy="4251474"/>
+          </a:xfrm>
+          <a:prstGeom prst="roundRect">
+            <a:avLst/>
+          </a:prstGeom>
+          <a:solidFill>
+            <a:schemeClr val="accent1">
+              <a:lumMod val="20000"/>
+              <a:lumOff val="80000"/>
+            </a:schemeClr>
+          </a:solidFill>
+          <a:ln>
+            <a:solidFill>
+              <a:schemeClr val="tx1"/>
+            </a:solidFill>
+          </a:ln>
+        </p:spPr>
+        <p:style>
+          <a:lnRef idx="2">
+            <a:schemeClr val="accent1">
+              <a:shade val="50000"/>
+            </a:schemeClr>
+          </a:lnRef>
+          <a:fillRef idx="1">
+            <a:schemeClr val="accent1"/>
+          </a:fillRef>
+          <a:effectRef idx="0">
+            <a:schemeClr val="accent1"/>
+          </a:effectRef>
+          <a:fontRef idx="minor">
+            <a:schemeClr val="lt1"/>
+          </a:fontRef>
+        </p:style>
+        <p:txBody>
+          <a:bodyPr rtlCol="0" anchor="ctr"/>
+          <a:lstStyle/>
+          <a:p>
+            <a:pPr algn="ctr"/>
+            <a:endParaRPr lang="en-US"/>
+          </a:p>
+        </p:txBody>
+      </p:sp>
+      <p:sp>
+        <p:nvSpPr>
+          <p:cNvPr id="2" name="Rounded Rectangle 1">
+            <a:extLst>
+              <a:ext uri="{FF2B5EF4-FFF2-40B4-BE49-F238E27FC236}">
+                <a16:creationId xmlns:a16="http://schemas.microsoft.com/office/drawing/2014/main" id="{554ECF89-E06B-3E4D-8056-DB28F4C916F3}"/>
+              </a:ext>
+            </a:extLst>
+          </p:cNvPr>
+          <p:cNvSpPr/>
+          <p:nvPr/>
+        </p:nvSpPr>
+        <p:spPr>
+          <a:xfrm>
+            <a:off x="2326835" y="918440"/>
+            <a:ext cx="7494104" cy="1749287"/>
+          </a:xfrm>
+          <a:prstGeom prst="roundRect">
+            <a:avLst/>
+          </a:prstGeom>
+          <a:solidFill>
+            <a:schemeClr val="bg1">
+              <a:lumMod val="95000"/>
+            </a:schemeClr>
+          </a:solidFill>
+          <a:ln>
+            <a:solidFill>
+              <a:schemeClr val="tx1"/>
+            </a:solidFill>
+          </a:ln>
+        </p:spPr>
+        <p:style>
+          <a:lnRef idx="2">
+            <a:schemeClr val="accent1">
+              <a:shade val="50000"/>
+            </a:schemeClr>
+          </a:lnRef>
+          <a:fillRef idx="1">
+            <a:schemeClr val="accent1"/>
+          </a:fillRef>
+          <a:effectRef idx="0">
+            <a:schemeClr val="accent1"/>
+          </a:effectRef>
+          <a:fontRef idx="minor">
+            <a:schemeClr val="lt1"/>
+          </a:fontRef>
+        </p:style>
+        <p:txBody>
+          <a:bodyPr rtlCol="0" anchor="ctr"/>
+          <a:lstStyle/>
+          <a:p>
+            <a:pPr algn="ctr"/>
+            <a:endParaRPr lang="en-US"/>
+          </a:p>
+        </p:txBody>
+      </p:sp>
+      <p:sp>
+        <p:nvSpPr>
+          <p:cNvPr id="10" name="Rounded Rectangle 9">
+            <a:extLst>
+              <a:ext uri="{FF2B5EF4-FFF2-40B4-BE49-F238E27FC236}">
+                <a16:creationId xmlns:a16="http://schemas.microsoft.com/office/drawing/2014/main" id="{066C8CC7-BDDF-8545-BE12-B4C818D84C28}"/>
+              </a:ext>
+            </a:extLst>
+          </p:cNvPr>
+          <p:cNvSpPr/>
+          <p:nvPr/>
+        </p:nvSpPr>
+        <p:spPr>
+          <a:xfrm>
+            <a:off x="2459356" y="1297783"/>
+            <a:ext cx="1706217" cy="950843"/>
+          </a:xfrm>
+          <a:prstGeom prst="roundRect">
+            <a:avLst/>
+          </a:prstGeom>
+          <a:solidFill>
+            <a:schemeClr val="accent6">
+              <a:lumMod val="20000"/>
+              <a:lumOff val="80000"/>
+            </a:schemeClr>
+          </a:solidFill>
+          <a:ln>
+            <a:solidFill>
+              <a:schemeClr val="tx1"/>
+            </a:solidFill>
+          </a:ln>
+        </p:spPr>
+        <p:style>
+          <a:lnRef idx="2">
+            <a:schemeClr val="accent1">
+              <a:shade val="50000"/>
+            </a:schemeClr>
+          </a:lnRef>
+          <a:fillRef idx="1">
+            <a:schemeClr val="accent1"/>
+          </a:fillRef>
+          <a:effectRef idx="0">
+            <a:schemeClr val="accent1"/>
+          </a:effectRef>
+          <a:fontRef idx="minor">
+            <a:schemeClr val="lt1"/>
+          </a:fontRef>
+        </p:style>
+        <p:txBody>
+          <a:bodyPr rtlCol="0" anchor="ctr"/>
+          <a:lstStyle/>
+          <a:p>
+            <a:pPr algn="ctr"/>
+            <a:endParaRPr lang="en-US"/>
+          </a:p>
+        </p:txBody>
+      </p:sp>
+      <p:sp>
+        <p:nvSpPr>
+          <p:cNvPr id="11" name="Rounded Rectangle 10">
+            <a:extLst>
+              <a:ext uri="{FF2B5EF4-FFF2-40B4-BE49-F238E27FC236}">
+                <a16:creationId xmlns:a16="http://schemas.microsoft.com/office/drawing/2014/main" id="{85418199-6EE0-0048-BE5F-9385AA65935B}"/>
+              </a:ext>
+            </a:extLst>
+          </p:cNvPr>
+          <p:cNvSpPr/>
+          <p:nvPr/>
+        </p:nvSpPr>
+        <p:spPr>
+          <a:xfrm>
+            <a:off x="4298095" y="1297782"/>
+            <a:ext cx="1706217" cy="950843"/>
+          </a:xfrm>
+          <a:prstGeom prst="roundRect">
+            <a:avLst/>
+          </a:prstGeom>
+          <a:solidFill>
+            <a:schemeClr val="accent6">
+              <a:lumMod val="20000"/>
+              <a:lumOff val="80000"/>
+            </a:schemeClr>
+          </a:solidFill>
+          <a:ln>
+            <a:solidFill>
+              <a:schemeClr val="tx1"/>
+            </a:solidFill>
+          </a:ln>
+        </p:spPr>
+        <p:style>
+          <a:lnRef idx="2">
+            <a:schemeClr val="accent1">
+              <a:shade val="50000"/>
+            </a:schemeClr>
+          </a:lnRef>
+          <a:fillRef idx="1">
+            <a:schemeClr val="accent1"/>
+          </a:fillRef>
+          <a:effectRef idx="0">
+            <a:schemeClr val="accent1"/>
+          </a:effectRef>
+          <a:fontRef idx="minor">
+            <a:schemeClr val="lt1"/>
+          </a:fontRef>
+        </p:style>
+        <p:txBody>
+          <a:bodyPr rtlCol="0" anchor="ctr"/>
+          <a:lstStyle/>
+          <a:p>
+            <a:pPr algn="ctr"/>
+            <a:endParaRPr lang="en-US"/>
+          </a:p>
+        </p:txBody>
+      </p:sp>
+      <p:sp>
+        <p:nvSpPr>
+          <p:cNvPr id="12" name="Rounded Rectangle 11">
+            <a:extLst>
+              <a:ext uri="{FF2B5EF4-FFF2-40B4-BE49-F238E27FC236}">
+                <a16:creationId xmlns:a16="http://schemas.microsoft.com/office/drawing/2014/main" id="{BBDDE6AB-563A-AE4F-B768-53D21695CD7A}"/>
+              </a:ext>
+            </a:extLst>
+          </p:cNvPr>
+          <p:cNvSpPr/>
+          <p:nvPr/>
+        </p:nvSpPr>
+        <p:spPr>
+          <a:xfrm>
+            <a:off x="6136834" y="1297782"/>
+            <a:ext cx="1706217" cy="950843"/>
+          </a:xfrm>
+          <a:prstGeom prst="roundRect">
+            <a:avLst/>
+          </a:prstGeom>
+          <a:solidFill>
+            <a:schemeClr val="accent6">
+              <a:lumMod val="20000"/>
+              <a:lumOff val="80000"/>
+            </a:schemeClr>
+          </a:solidFill>
+          <a:ln>
+            <a:solidFill>
+              <a:schemeClr val="tx1"/>
+            </a:solidFill>
+          </a:ln>
+        </p:spPr>
+        <p:style>
+          <a:lnRef idx="2">
+            <a:schemeClr val="accent1">
+              <a:shade val="50000"/>
+            </a:schemeClr>
+          </a:lnRef>
+          <a:fillRef idx="1">
+            <a:schemeClr val="accent1"/>
+          </a:fillRef>
+          <a:effectRef idx="0">
+            <a:schemeClr val="accent1"/>
+          </a:effectRef>
+          <a:fontRef idx="minor">
+            <a:schemeClr val="lt1"/>
+          </a:fontRef>
+        </p:style>
+        <p:txBody>
+          <a:bodyPr rtlCol="0" anchor="ctr"/>
+          <a:lstStyle/>
+          <a:p>
+            <a:pPr algn="ctr"/>
+            <a:endParaRPr lang="en-US"/>
+          </a:p>
+        </p:txBody>
+      </p:sp>
+      <p:sp>
+        <p:nvSpPr>
+          <p:cNvPr id="13" name="Rounded Rectangle 12">
+            <a:extLst>
+              <a:ext uri="{FF2B5EF4-FFF2-40B4-BE49-F238E27FC236}">
+                <a16:creationId xmlns:a16="http://schemas.microsoft.com/office/drawing/2014/main" id="{967A2B68-E4AE-5B4E-8A28-1846875FDCA0}"/>
+              </a:ext>
+            </a:extLst>
+          </p:cNvPr>
+          <p:cNvSpPr/>
+          <p:nvPr/>
+        </p:nvSpPr>
+        <p:spPr>
+          <a:xfrm>
+            <a:off x="7975573" y="1290330"/>
+            <a:ext cx="1706217" cy="950843"/>
+          </a:xfrm>
+          <a:prstGeom prst="roundRect">
+            <a:avLst/>
+          </a:prstGeom>
+          <a:solidFill>
+            <a:schemeClr val="accent6">
+              <a:lumMod val="20000"/>
+              <a:lumOff val="80000"/>
+            </a:schemeClr>
+          </a:solidFill>
+          <a:ln>
+            <a:solidFill>
+              <a:schemeClr val="tx1"/>
+            </a:solidFill>
+          </a:ln>
+        </p:spPr>
+        <p:style>
+          <a:lnRef idx="2">
+            <a:schemeClr val="accent1">
+              <a:shade val="50000"/>
+            </a:schemeClr>
+          </a:lnRef>
+          <a:fillRef idx="1">
+            <a:schemeClr val="accent1"/>
+          </a:fillRef>
+          <a:effectRef idx="0">
+            <a:schemeClr val="accent1"/>
+          </a:effectRef>
+          <a:fontRef idx="minor">
+            <a:schemeClr val="lt1"/>
+          </a:fontRef>
+        </p:style>
+        <p:txBody>
+          <a:bodyPr rtlCol="0" anchor="ctr"/>
+          <a:lstStyle/>
+          <a:p>
+            <a:pPr algn="ctr"/>
+            <a:endParaRPr lang="en-US"/>
+          </a:p>
+        </p:txBody>
+      </p:sp>
+      <p:sp>
+        <p:nvSpPr>
+          <p:cNvPr id="3" name="Rectangle 2">
+            <a:extLst>
+              <a:ext uri="{FF2B5EF4-FFF2-40B4-BE49-F238E27FC236}">
+                <a16:creationId xmlns:a16="http://schemas.microsoft.com/office/drawing/2014/main" id="{AEAABE56-32B9-164C-A863-69FF8CCCA9FB}"/>
+              </a:ext>
+            </a:extLst>
+          </p:cNvPr>
+          <p:cNvSpPr/>
+          <p:nvPr/>
+        </p:nvSpPr>
+        <p:spPr>
+          <a:xfrm>
+            <a:off x="2873882" y="1608417"/>
+            <a:ext cx="877163" cy="369332"/>
+          </a:xfrm>
+          <a:prstGeom prst="rect">
+            <a:avLst/>
+          </a:prstGeom>
+        </p:spPr>
+        <p:txBody>
+          <a:bodyPr wrap="none">
+            <a:spAutoFit/>
+          </a:bodyPr>
+          <a:lstStyle/>
+          <a:p>
+            <a:r>
+              <a:rPr lang="en-US" dirty="0">
+                <a:solidFill>
+                  <a:srgbClr val="333333"/>
+                </a:solidFill>
+                <a:latin typeface="Arial" panose="020B0604020202020204" pitchFamily="34" charset="0"/>
+              </a:rPr>
+              <a:t>Flake8</a:t>
+            </a:r>
+            <a:endParaRPr lang="en-US" dirty="0"/>
+          </a:p>
+        </p:txBody>
+      </p:sp>
+      <p:sp>
+        <p:nvSpPr>
+          <p:cNvPr id="14" name="TextBox 13">
+            <a:extLst>
+              <a:ext uri="{FF2B5EF4-FFF2-40B4-BE49-F238E27FC236}">
+                <a16:creationId xmlns:a16="http://schemas.microsoft.com/office/drawing/2014/main" id="{0997D2F2-7B85-FE4B-9EEA-E0B5C9D45F9F}"/>
+              </a:ext>
+            </a:extLst>
+          </p:cNvPr>
+          <p:cNvSpPr txBox="1"/>
+          <p:nvPr/>
+        </p:nvSpPr>
+        <p:spPr>
+          <a:xfrm>
+            <a:off x="4785622" y="1581085"/>
+            <a:ext cx="711285" cy="369332"/>
+          </a:xfrm>
+          <a:prstGeom prst="rect">
+            <a:avLst/>
+          </a:prstGeom>
+          <a:noFill/>
+        </p:spPr>
+        <p:txBody>
+          <a:bodyPr wrap="none" rtlCol="0">
+            <a:spAutoFit/>
+          </a:bodyPr>
+          <a:lstStyle/>
+          <a:p>
+            <a:r>
+              <a:rPr lang="en-US" dirty="0" err="1"/>
+              <a:t>Pylint</a:t>
+            </a:r>
+            <a:endParaRPr lang="en-US" dirty="0"/>
+          </a:p>
+        </p:txBody>
+      </p:sp>
+      <p:sp>
+        <p:nvSpPr>
+          <p:cNvPr id="15" name="TextBox 14">
+            <a:extLst>
+              <a:ext uri="{FF2B5EF4-FFF2-40B4-BE49-F238E27FC236}">
+                <a16:creationId xmlns:a16="http://schemas.microsoft.com/office/drawing/2014/main" id="{E077BF66-D65C-BE4E-B534-46BBA4A9AE92}"/>
+              </a:ext>
+            </a:extLst>
+          </p:cNvPr>
+          <p:cNvSpPr txBox="1"/>
+          <p:nvPr/>
+        </p:nvSpPr>
+        <p:spPr>
+          <a:xfrm>
+            <a:off x="6593038" y="1581085"/>
+            <a:ext cx="793807" cy="369332"/>
+          </a:xfrm>
+          <a:prstGeom prst="rect">
+            <a:avLst/>
+          </a:prstGeom>
+          <a:noFill/>
+        </p:spPr>
+        <p:txBody>
+          <a:bodyPr wrap="none" rtlCol="0">
+            <a:spAutoFit/>
+          </a:bodyPr>
+          <a:lstStyle/>
+          <a:p>
+            <a:r>
+              <a:rPr lang="en-US" dirty="0"/>
+              <a:t>Bandit</a:t>
+            </a:r>
+          </a:p>
+        </p:txBody>
+      </p:sp>
+      <p:sp>
+        <p:nvSpPr>
+          <p:cNvPr id="16" name="TextBox 15">
+            <a:extLst>
+              <a:ext uri="{FF2B5EF4-FFF2-40B4-BE49-F238E27FC236}">
+                <a16:creationId xmlns:a16="http://schemas.microsoft.com/office/drawing/2014/main" id="{863A4E85-7297-7A47-B352-B969572D634B}"/>
+              </a:ext>
+            </a:extLst>
+          </p:cNvPr>
+          <p:cNvSpPr txBox="1"/>
+          <p:nvPr/>
+        </p:nvSpPr>
+        <p:spPr>
+          <a:xfrm>
+            <a:off x="8435784" y="1577808"/>
+            <a:ext cx="785793" cy="369332"/>
+          </a:xfrm>
+          <a:prstGeom prst="rect">
+            <a:avLst/>
+          </a:prstGeom>
+          <a:noFill/>
+        </p:spPr>
+        <p:txBody>
+          <a:bodyPr wrap="none" rtlCol="0">
+            <a:spAutoFit/>
+          </a:bodyPr>
+          <a:lstStyle/>
+          <a:p>
+            <a:r>
+              <a:rPr lang="en-US" dirty="0"/>
+              <a:t>Radon</a:t>
+            </a:r>
+          </a:p>
+        </p:txBody>
+      </p:sp>
+      <p:sp>
+        <p:nvSpPr>
+          <p:cNvPr id="17" name="Rounded Rectangle 16">
+            <a:extLst>
+              <a:ext uri="{FF2B5EF4-FFF2-40B4-BE49-F238E27FC236}">
+                <a16:creationId xmlns:a16="http://schemas.microsoft.com/office/drawing/2014/main" id="{94A783CB-37B0-4F41-A183-59DDB1D52AD7}"/>
+              </a:ext>
+            </a:extLst>
+          </p:cNvPr>
+          <p:cNvSpPr/>
+          <p:nvPr/>
+        </p:nvSpPr>
+        <p:spPr>
+          <a:xfrm>
+            <a:off x="4564794" y="2951030"/>
+            <a:ext cx="2822051" cy="1749287"/>
+          </a:xfrm>
+          <a:prstGeom prst="roundRect">
+            <a:avLst/>
+          </a:prstGeom>
+          <a:solidFill>
+            <a:schemeClr val="bg1">
+              <a:lumMod val="95000"/>
+            </a:schemeClr>
+          </a:solidFill>
+          <a:ln>
+            <a:solidFill>
+              <a:schemeClr val="tx1"/>
+            </a:solidFill>
+          </a:ln>
+        </p:spPr>
+        <p:style>
+          <a:lnRef idx="2">
+            <a:schemeClr val="accent1">
+              <a:shade val="50000"/>
+            </a:schemeClr>
+          </a:lnRef>
+          <a:fillRef idx="1">
+            <a:schemeClr val="accent1"/>
+          </a:fillRef>
+          <a:effectRef idx="0">
+            <a:schemeClr val="accent1"/>
+          </a:effectRef>
+          <a:fontRef idx="minor">
+            <a:schemeClr val="lt1"/>
+          </a:fontRef>
+        </p:style>
+        <p:txBody>
+          <a:bodyPr rtlCol="0" anchor="ctr"/>
+          <a:lstStyle/>
+          <a:p>
+            <a:pPr algn="ctr"/>
+            <a:endParaRPr lang="en-US"/>
+          </a:p>
+        </p:txBody>
+      </p:sp>
+      <p:sp>
+        <p:nvSpPr>
+          <p:cNvPr id="18" name="Rounded Rectangle 17">
+            <a:extLst>
+              <a:ext uri="{FF2B5EF4-FFF2-40B4-BE49-F238E27FC236}">
+                <a16:creationId xmlns:a16="http://schemas.microsoft.com/office/drawing/2014/main" id="{D3B03B4F-F30B-C44B-BD2B-3D9C57F20B3F}"/>
+              </a:ext>
+            </a:extLst>
+          </p:cNvPr>
+          <p:cNvSpPr/>
+          <p:nvPr/>
+        </p:nvSpPr>
+        <p:spPr>
+          <a:xfrm>
+            <a:off x="5151203" y="3328678"/>
+            <a:ext cx="1706217" cy="950843"/>
+          </a:xfrm>
+          <a:prstGeom prst="roundRect">
+            <a:avLst/>
+          </a:prstGeom>
+          <a:solidFill>
+            <a:schemeClr val="accent6">
+              <a:lumMod val="20000"/>
+              <a:lumOff val="80000"/>
+            </a:schemeClr>
+          </a:solidFill>
+          <a:ln>
+            <a:solidFill>
+              <a:schemeClr val="tx1"/>
+            </a:solidFill>
+          </a:ln>
+        </p:spPr>
+        <p:style>
+          <a:lnRef idx="2">
+            <a:schemeClr val="accent1">
+              <a:shade val="50000"/>
+            </a:schemeClr>
+          </a:lnRef>
+          <a:fillRef idx="1">
+            <a:schemeClr val="accent1"/>
+          </a:fillRef>
+          <a:effectRef idx="0">
+            <a:schemeClr val="accent1"/>
+          </a:effectRef>
+          <a:fontRef idx="minor">
+            <a:schemeClr val="lt1"/>
+          </a:fontRef>
+        </p:style>
+        <p:txBody>
+          <a:bodyPr rtlCol="0" anchor="ctr"/>
+          <a:lstStyle/>
+          <a:p>
+            <a:pPr algn="ctr"/>
+            <a:endParaRPr lang="en-US"/>
+          </a:p>
+        </p:txBody>
+      </p:sp>
+      <p:sp>
+        <p:nvSpPr>
+          <p:cNvPr id="19" name="TextBox 18">
+            <a:extLst>
+              <a:ext uri="{FF2B5EF4-FFF2-40B4-BE49-F238E27FC236}">
+                <a16:creationId xmlns:a16="http://schemas.microsoft.com/office/drawing/2014/main" id="{2EC748B3-72C3-EE47-BDB9-B0F067283EA5}"/>
+              </a:ext>
+            </a:extLst>
+          </p:cNvPr>
+          <p:cNvSpPr txBox="1"/>
+          <p:nvPr/>
+        </p:nvSpPr>
+        <p:spPr>
+          <a:xfrm>
+            <a:off x="5523935" y="3626425"/>
+            <a:ext cx="937564" cy="369332"/>
+          </a:xfrm>
+          <a:prstGeom prst="rect">
+            <a:avLst/>
+          </a:prstGeom>
+          <a:noFill/>
+        </p:spPr>
+        <p:txBody>
+          <a:bodyPr wrap="none" rtlCol="0">
+            <a:spAutoFit/>
+          </a:bodyPr>
+          <a:lstStyle/>
+          <a:p>
+            <a:r>
+              <a:rPr lang="en-US" dirty="0"/>
+              <a:t>Analysis</a:t>
+            </a:r>
+          </a:p>
+        </p:txBody>
+      </p:sp>
+      <p:sp>
+        <p:nvSpPr>
+          <p:cNvPr id="23" name="Snip Single Corner Rectangle 22">
+            <a:extLst>
+              <a:ext uri="{FF2B5EF4-FFF2-40B4-BE49-F238E27FC236}">
+                <a16:creationId xmlns:a16="http://schemas.microsoft.com/office/drawing/2014/main" id="{3C58F7ED-CCB2-1448-93A9-CF0A43E3BB05}"/>
+              </a:ext>
+            </a:extLst>
+          </p:cNvPr>
+          <p:cNvSpPr/>
+          <p:nvPr/>
+        </p:nvSpPr>
+        <p:spPr>
+          <a:xfrm>
+            <a:off x="5508186" y="-558351"/>
+            <a:ext cx="1472652" cy="899494"/>
+          </a:xfrm>
+          <a:prstGeom prst="snip1Rect">
+            <a:avLst/>
+          </a:prstGeom>
+          <a:solidFill>
+            <a:schemeClr val="accent6">
+              <a:lumMod val="20000"/>
+              <a:lumOff val="80000"/>
+            </a:schemeClr>
+          </a:solidFill>
+        </p:spPr>
+        <p:style>
+          <a:lnRef idx="2">
+            <a:schemeClr val="accent1">
+              <a:shade val="50000"/>
+            </a:schemeClr>
+          </a:lnRef>
+          <a:fillRef idx="1">
+            <a:schemeClr val="accent1"/>
+          </a:fillRef>
+          <a:effectRef idx="0">
+            <a:schemeClr val="accent1"/>
+          </a:effectRef>
+          <a:fontRef idx="minor">
+            <a:schemeClr val="lt1"/>
+          </a:fontRef>
+        </p:style>
+        <p:txBody>
+          <a:bodyPr rtlCol="0" anchor="ctr"/>
+          <a:lstStyle/>
+          <a:p>
+            <a:pPr algn="ctr"/>
+            <a:endParaRPr lang="en-US"/>
+          </a:p>
+        </p:txBody>
+      </p:sp>
+      <p:sp>
+        <p:nvSpPr>
+          <p:cNvPr id="24" name="Snip Single Corner Rectangle 23">
+            <a:extLst>
+              <a:ext uri="{FF2B5EF4-FFF2-40B4-BE49-F238E27FC236}">
+                <a16:creationId xmlns:a16="http://schemas.microsoft.com/office/drawing/2014/main" id="{6B42F401-F0FA-6F43-A8D5-AFAA02C2DC09}"/>
+              </a:ext>
+            </a:extLst>
+          </p:cNvPr>
+          <p:cNvSpPr/>
+          <p:nvPr/>
+        </p:nvSpPr>
+        <p:spPr>
+          <a:xfrm>
+            <a:off x="5460146" y="-584856"/>
+            <a:ext cx="1472652" cy="899494"/>
+          </a:xfrm>
+          <a:prstGeom prst="snip1Rect">
+            <a:avLst/>
+          </a:prstGeom>
+          <a:solidFill>
+            <a:schemeClr val="accent6">
+              <a:lumMod val="20000"/>
+              <a:lumOff val="80000"/>
+            </a:schemeClr>
+          </a:solidFill>
+        </p:spPr>
+        <p:style>
+          <a:lnRef idx="2">
+            <a:schemeClr val="accent1">
+              <a:shade val="50000"/>
+            </a:schemeClr>
+          </a:lnRef>
+          <a:fillRef idx="1">
+            <a:schemeClr val="accent1"/>
+          </a:fillRef>
+          <a:effectRef idx="0">
+            <a:schemeClr val="accent1"/>
+          </a:effectRef>
+          <a:fontRef idx="minor">
+            <a:schemeClr val="lt1"/>
+          </a:fontRef>
+        </p:style>
+        <p:txBody>
+          <a:bodyPr rtlCol="0" anchor="ctr"/>
+          <a:lstStyle/>
+          <a:p>
+            <a:pPr algn="ctr"/>
+            <a:endParaRPr lang="en-US"/>
+          </a:p>
+        </p:txBody>
+      </p:sp>
+      <p:sp>
+        <p:nvSpPr>
+          <p:cNvPr id="25" name="Snip Single Corner Rectangle 24">
+            <a:extLst>
+              <a:ext uri="{FF2B5EF4-FFF2-40B4-BE49-F238E27FC236}">
+                <a16:creationId xmlns:a16="http://schemas.microsoft.com/office/drawing/2014/main" id="{73E15056-680C-704E-A200-E7629FA69625}"/>
+              </a:ext>
+            </a:extLst>
+          </p:cNvPr>
+          <p:cNvSpPr/>
+          <p:nvPr/>
+        </p:nvSpPr>
+        <p:spPr>
+          <a:xfrm>
+            <a:off x="5412106" y="-603078"/>
+            <a:ext cx="1472652" cy="899494"/>
+          </a:xfrm>
+          <a:prstGeom prst="snip1Rect">
+            <a:avLst/>
+          </a:prstGeom>
+          <a:solidFill>
+            <a:schemeClr val="accent6">
+              <a:lumMod val="20000"/>
+              <a:lumOff val="80000"/>
+            </a:schemeClr>
+          </a:solidFill>
+        </p:spPr>
+        <p:style>
+          <a:lnRef idx="2">
+            <a:schemeClr val="accent1">
+              <a:shade val="50000"/>
+            </a:schemeClr>
+          </a:lnRef>
+          <a:fillRef idx="1">
+            <a:schemeClr val="accent1"/>
+          </a:fillRef>
+          <a:effectRef idx="0">
+            <a:schemeClr val="accent1"/>
+          </a:effectRef>
+          <a:fontRef idx="minor">
+            <a:schemeClr val="lt1"/>
+          </a:fontRef>
+        </p:style>
+        <p:txBody>
+          <a:bodyPr rtlCol="0" anchor="ctr"/>
+          <a:lstStyle/>
+          <a:p>
+            <a:pPr algn="ctr"/>
+            <a:endParaRPr lang="en-US"/>
+          </a:p>
+        </p:txBody>
+      </p:sp>
+      <p:sp>
+        <p:nvSpPr>
+          <p:cNvPr id="26" name="Snip Single Corner Rectangle 25">
+            <a:extLst>
+              <a:ext uri="{FF2B5EF4-FFF2-40B4-BE49-F238E27FC236}">
+                <a16:creationId xmlns:a16="http://schemas.microsoft.com/office/drawing/2014/main" id="{3561952E-9852-054C-B0C8-AA29A1E1CDCA}"/>
+              </a:ext>
+            </a:extLst>
+          </p:cNvPr>
+          <p:cNvSpPr/>
+          <p:nvPr/>
+        </p:nvSpPr>
+        <p:spPr>
+          <a:xfrm>
+            <a:off x="5364066" y="-629583"/>
+            <a:ext cx="1472652" cy="899494"/>
+          </a:xfrm>
+          <a:prstGeom prst="snip1Rect">
+            <a:avLst/>
+          </a:prstGeom>
+          <a:solidFill>
+            <a:schemeClr val="accent6">
+              <a:lumMod val="20000"/>
+              <a:lumOff val="80000"/>
+            </a:schemeClr>
+          </a:solidFill>
+        </p:spPr>
+        <p:style>
+          <a:lnRef idx="2">
+            <a:schemeClr val="accent1">
+              <a:shade val="50000"/>
+            </a:schemeClr>
+          </a:lnRef>
+          <a:fillRef idx="1">
+            <a:schemeClr val="accent1"/>
+          </a:fillRef>
+          <a:effectRef idx="0">
+            <a:schemeClr val="accent1"/>
+          </a:effectRef>
+          <a:fontRef idx="minor">
+            <a:schemeClr val="lt1"/>
+          </a:fontRef>
+        </p:style>
+        <p:txBody>
+          <a:bodyPr rtlCol="0" anchor="ctr"/>
+          <a:lstStyle/>
+          <a:p>
+            <a:pPr algn="ctr"/>
+            <a:endParaRPr lang="en-US"/>
+          </a:p>
+        </p:txBody>
+      </p:sp>
+      <p:sp>
+        <p:nvSpPr>
+          <p:cNvPr id="27" name="Snip Single Corner Rectangle 26">
+            <a:extLst>
+              <a:ext uri="{FF2B5EF4-FFF2-40B4-BE49-F238E27FC236}">
+                <a16:creationId xmlns:a16="http://schemas.microsoft.com/office/drawing/2014/main" id="{14773E3E-6CAA-FB4F-AEF4-CFF7D7679473}"/>
+              </a:ext>
+            </a:extLst>
+          </p:cNvPr>
+          <p:cNvSpPr/>
+          <p:nvPr/>
+        </p:nvSpPr>
+        <p:spPr>
+          <a:xfrm>
+            <a:off x="5316026" y="-656088"/>
+            <a:ext cx="1472652" cy="899494"/>
+          </a:xfrm>
+          <a:prstGeom prst="snip1Rect">
+            <a:avLst/>
+          </a:prstGeom>
+          <a:solidFill>
+            <a:schemeClr val="accent6">
+              <a:lumMod val="20000"/>
+              <a:lumOff val="80000"/>
+            </a:schemeClr>
+          </a:solidFill>
+        </p:spPr>
+        <p:style>
+          <a:lnRef idx="2">
+            <a:schemeClr val="accent1">
+              <a:shade val="50000"/>
+            </a:schemeClr>
+          </a:lnRef>
+          <a:fillRef idx="1">
+            <a:schemeClr val="accent1"/>
+          </a:fillRef>
+          <a:effectRef idx="0">
+            <a:schemeClr val="accent1"/>
+          </a:effectRef>
+          <a:fontRef idx="minor">
+            <a:schemeClr val="lt1"/>
+          </a:fontRef>
+        </p:style>
+        <p:txBody>
+          <a:bodyPr rtlCol="0" anchor="ctr"/>
+          <a:lstStyle/>
+          <a:p>
+            <a:pPr algn="ctr"/>
+            <a:endParaRPr lang="en-US"/>
+          </a:p>
+        </p:txBody>
+      </p:sp>
+      <p:sp>
+        <p:nvSpPr>
+          <p:cNvPr id="28" name="Snip Single Corner Rectangle 27">
+            <a:extLst>
+              <a:ext uri="{FF2B5EF4-FFF2-40B4-BE49-F238E27FC236}">
+                <a16:creationId xmlns:a16="http://schemas.microsoft.com/office/drawing/2014/main" id="{E066D47A-97D5-884B-9E6B-DE66A8027E3A}"/>
+              </a:ext>
+            </a:extLst>
+          </p:cNvPr>
+          <p:cNvSpPr/>
+          <p:nvPr/>
+        </p:nvSpPr>
+        <p:spPr>
+          <a:xfrm>
+            <a:off x="5267986" y="-682593"/>
+            <a:ext cx="1472652" cy="899494"/>
+          </a:xfrm>
+          <a:prstGeom prst="snip1Rect">
+            <a:avLst/>
+          </a:prstGeom>
+          <a:solidFill>
+            <a:schemeClr val="accent6">
+              <a:lumMod val="20000"/>
+              <a:lumOff val="80000"/>
+            </a:schemeClr>
+          </a:solidFill>
+        </p:spPr>
+        <p:style>
+          <a:lnRef idx="2">
+            <a:schemeClr val="accent1">
+              <a:shade val="50000"/>
+            </a:schemeClr>
+          </a:lnRef>
+          <a:fillRef idx="1">
+            <a:schemeClr val="accent1"/>
+          </a:fillRef>
+          <a:effectRef idx="0">
+            <a:schemeClr val="accent1"/>
+          </a:effectRef>
+          <a:fontRef idx="minor">
+            <a:schemeClr val="lt1"/>
+          </a:fontRef>
+        </p:style>
+        <p:txBody>
+          <a:bodyPr rtlCol="0" anchor="ctr"/>
+          <a:lstStyle/>
+          <a:p>
+            <a:pPr algn="ctr"/>
+            <a:endParaRPr lang="en-US"/>
+          </a:p>
+        </p:txBody>
+      </p:sp>
+      <p:cxnSp>
+        <p:nvCxnSpPr>
+          <p:cNvPr id="30" name="Straight Connector 29">
+            <a:extLst>
+              <a:ext uri="{FF2B5EF4-FFF2-40B4-BE49-F238E27FC236}">
+                <a16:creationId xmlns:a16="http://schemas.microsoft.com/office/drawing/2014/main" id="{0D44FBEE-CE3E-6946-9B96-8804912144F4}"/>
+              </a:ext>
+            </a:extLst>
+          </p:cNvPr>
+          <p:cNvCxnSpPr/>
+          <p:nvPr/>
+        </p:nvCxnSpPr>
+        <p:spPr>
+          <a:xfrm>
+            <a:off x="5249765" y="5123764"/>
+            <a:ext cx="0" cy="1441174"/>
+          </a:xfrm>
+          <a:prstGeom prst="line">
+            <a:avLst/>
+          </a:prstGeom>
+          <a:ln w="50800">
+            <a:solidFill>
+              <a:schemeClr val="tx1"/>
+            </a:solidFill>
+          </a:ln>
+        </p:spPr>
+        <p:style>
+          <a:lnRef idx="1">
+            <a:schemeClr val="accent1"/>
+          </a:lnRef>
+          <a:fillRef idx="0">
+            <a:schemeClr val="accent1"/>
+          </a:fillRef>
+          <a:effectRef idx="0">
+            <a:schemeClr val="accent1"/>
+          </a:effectRef>
+          <a:fontRef idx="minor">
+            <a:schemeClr val="tx1"/>
+          </a:fontRef>
+        </p:style>
+      </p:cxnSp>
+      <p:cxnSp>
+        <p:nvCxnSpPr>
+          <p:cNvPr id="31" name="Straight Connector 30">
+            <a:extLst>
+              <a:ext uri="{FF2B5EF4-FFF2-40B4-BE49-F238E27FC236}">
+                <a16:creationId xmlns:a16="http://schemas.microsoft.com/office/drawing/2014/main" id="{7AA04B00-ABAE-5B4B-ACF0-75861302883B}"/>
+              </a:ext>
+            </a:extLst>
+          </p:cNvPr>
+          <p:cNvCxnSpPr>
+            <a:cxnSpLocks/>
+          </p:cNvCxnSpPr>
+          <p:nvPr/>
+        </p:nvCxnSpPr>
+        <p:spPr>
+          <a:xfrm flipH="1">
+            <a:off x="5249765" y="6540583"/>
+            <a:ext cx="1815816" cy="0"/>
+          </a:xfrm>
+          <a:prstGeom prst="line">
+            <a:avLst/>
+          </a:prstGeom>
+          <a:ln w="50800">
+            <a:solidFill>
+              <a:schemeClr val="tx1"/>
+            </a:solidFill>
+          </a:ln>
+        </p:spPr>
+        <p:style>
+          <a:lnRef idx="1">
+            <a:schemeClr val="accent1"/>
+          </a:lnRef>
+          <a:fillRef idx="0">
+            <a:schemeClr val="accent1"/>
+          </a:fillRef>
+          <a:effectRef idx="0">
+            <a:schemeClr val="accent1"/>
+          </a:effectRef>
+          <a:fontRef idx="minor">
+            <a:schemeClr val="tx1"/>
+          </a:fontRef>
+        </p:style>
+      </p:cxnSp>
+      <p:sp>
+        <p:nvSpPr>
+          <p:cNvPr id="33" name="Rectangle 32">
+            <a:extLst>
+              <a:ext uri="{FF2B5EF4-FFF2-40B4-BE49-F238E27FC236}">
+                <a16:creationId xmlns:a16="http://schemas.microsoft.com/office/drawing/2014/main" id="{8B5FE3DE-3A73-A14C-884A-A2D54118468C}"/>
+              </a:ext>
+            </a:extLst>
+          </p:cNvPr>
+          <p:cNvSpPr/>
+          <p:nvPr/>
+        </p:nvSpPr>
+        <p:spPr>
+          <a:xfrm>
+            <a:off x="5390567" y="6039785"/>
+            <a:ext cx="220985" cy="476444"/>
+          </a:xfrm>
+          <a:prstGeom prst="rect">
+            <a:avLst/>
+          </a:prstGeom>
+          <a:solidFill>
+            <a:schemeClr val="accent6">
+              <a:lumMod val="20000"/>
+              <a:lumOff val="80000"/>
+            </a:schemeClr>
+          </a:solidFill>
+          <a:ln>
+            <a:noFill/>
+          </a:ln>
+        </p:spPr>
+        <p:style>
+          <a:lnRef idx="2">
+            <a:schemeClr val="accent1">
+              <a:shade val="50000"/>
+            </a:schemeClr>
+          </a:lnRef>
+          <a:fillRef idx="1">
+            <a:schemeClr val="accent1"/>
+          </a:fillRef>
+          <a:effectRef idx="0">
+            <a:schemeClr val="accent1"/>
+          </a:effectRef>
+          <a:fontRef idx="minor">
+            <a:schemeClr val="lt1"/>
+          </a:fontRef>
+        </p:style>
+        <p:txBody>
+          <a:bodyPr rtlCol="0" anchor="ctr"/>
+          <a:lstStyle/>
+          <a:p>
+            <a:pPr algn="ctr"/>
+            <a:endParaRPr lang="en-US"/>
+          </a:p>
+        </p:txBody>
+      </p:sp>
+      <p:sp>
+        <p:nvSpPr>
+          <p:cNvPr id="34" name="Rectangle 33">
+            <a:extLst>
+              <a:ext uri="{FF2B5EF4-FFF2-40B4-BE49-F238E27FC236}">
+                <a16:creationId xmlns:a16="http://schemas.microsoft.com/office/drawing/2014/main" id="{3DF49AB0-4D4F-A945-889D-13DE27202FC5}"/>
+              </a:ext>
+            </a:extLst>
+          </p:cNvPr>
+          <p:cNvSpPr/>
+          <p:nvPr/>
+        </p:nvSpPr>
+        <p:spPr>
+          <a:xfrm>
+            <a:off x="5924281" y="5670453"/>
+            <a:ext cx="220970" cy="845776"/>
+          </a:xfrm>
+          <a:prstGeom prst="rect">
+            <a:avLst/>
+          </a:prstGeom>
+          <a:solidFill>
+            <a:schemeClr val="accent6">
+              <a:lumMod val="60000"/>
+              <a:lumOff val="40000"/>
+            </a:schemeClr>
+          </a:solidFill>
+          <a:ln>
+            <a:noFill/>
+          </a:ln>
+        </p:spPr>
+        <p:style>
+          <a:lnRef idx="2">
+            <a:schemeClr val="accent1">
+              <a:shade val="50000"/>
+            </a:schemeClr>
+          </a:lnRef>
+          <a:fillRef idx="1">
+            <a:schemeClr val="accent1"/>
+          </a:fillRef>
+          <a:effectRef idx="0">
+            <a:schemeClr val="accent1"/>
+          </a:effectRef>
+          <a:fontRef idx="minor">
+            <a:schemeClr val="lt1"/>
+          </a:fontRef>
+        </p:style>
+        <p:txBody>
+          <a:bodyPr rtlCol="0" anchor="ctr"/>
+          <a:lstStyle/>
+          <a:p>
+            <a:pPr algn="ctr"/>
+            <a:endParaRPr lang="en-US"/>
+          </a:p>
+        </p:txBody>
+      </p:sp>
+      <p:sp>
+        <p:nvSpPr>
+          <p:cNvPr id="35" name="Rectangle 34">
+            <a:extLst>
+              <a:ext uri="{FF2B5EF4-FFF2-40B4-BE49-F238E27FC236}">
+                <a16:creationId xmlns:a16="http://schemas.microsoft.com/office/drawing/2014/main" id="{75A826EF-B4D0-954C-8BF0-8746FF5E734F}"/>
+              </a:ext>
+            </a:extLst>
+          </p:cNvPr>
+          <p:cNvSpPr/>
+          <p:nvPr/>
+        </p:nvSpPr>
+        <p:spPr>
+          <a:xfrm>
+            <a:off x="6457980" y="5295963"/>
+            <a:ext cx="220961" cy="1220266"/>
+          </a:xfrm>
+          <a:prstGeom prst="rect">
+            <a:avLst/>
+          </a:prstGeom>
+          <a:solidFill>
+            <a:schemeClr val="accent6">
+              <a:lumMod val="50000"/>
+            </a:schemeClr>
+          </a:solidFill>
+          <a:ln>
+            <a:noFill/>
+          </a:ln>
+        </p:spPr>
+        <p:style>
+          <a:lnRef idx="2">
+            <a:schemeClr val="accent1">
+              <a:shade val="50000"/>
+            </a:schemeClr>
+          </a:lnRef>
+          <a:fillRef idx="1">
+            <a:schemeClr val="accent1"/>
+          </a:fillRef>
+          <a:effectRef idx="0">
+            <a:schemeClr val="accent1"/>
+          </a:effectRef>
+          <a:fontRef idx="minor">
+            <a:schemeClr val="lt1"/>
+          </a:fontRef>
+        </p:style>
+        <p:txBody>
+          <a:bodyPr rtlCol="0" anchor="ctr"/>
+          <a:lstStyle/>
+          <a:p>
+            <a:pPr algn="ctr"/>
+            <a:endParaRPr lang="en-US"/>
+          </a:p>
+        </p:txBody>
+      </p:sp>
+      <p:sp>
+        <p:nvSpPr>
+          <p:cNvPr id="36" name="Right Arrow 35">
+            <a:extLst>
+              <a:ext uri="{FF2B5EF4-FFF2-40B4-BE49-F238E27FC236}">
+                <a16:creationId xmlns:a16="http://schemas.microsoft.com/office/drawing/2014/main" id="{9C482FD8-7C2C-084B-A3A7-DFDC2635455D}"/>
+              </a:ext>
+            </a:extLst>
+          </p:cNvPr>
+          <p:cNvSpPr/>
+          <p:nvPr/>
+        </p:nvSpPr>
+        <p:spPr>
+          <a:xfrm rot="5400000">
+            <a:off x="5647393" y="4622376"/>
+            <a:ext cx="745312" cy="484340"/>
+          </a:xfrm>
+          <a:prstGeom prst="rightArrow">
+            <a:avLst/>
+          </a:prstGeom>
+        </p:spPr>
+        <p:style>
+          <a:lnRef idx="2">
+            <a:schemeClr val="dk1">
+              <a:shade val="50000"/>
+            </a:schemeClr>
+          </a:lnRef>
+          <a:fillRef idx="1">
+            <a:schemeClr val="dk1"/>
+          </a:fillRef>
+          <a:effectRef idx="0">
+            <a:schemeClr val="dk1"/>
+          </a:effectRef>
+          <a:fontRef idx="minor">
+            <a:schemeClr val="lt1"/>
+          </a:fontRef>
+        </p:style>
+        <p:txBody>
+          <a:bodyPr rtlCol="0" anchor="ctr"/>
+          <a:lstStyle/>
+          <a:p>
+            <a:pPr algn="ctr"/>
+            <a:endParaRPr lang="en-US"/>
+          </a:p>
+        </p:txBody>
+      </p:sp>
+      <p:sp>
+        <p:nvSpPr>
+          <p:cNvPr id="37" name="Right Arrow 36">
+            <a:extLst>
+              <a:ext uri="{FF2B5EF4-FFF2-40B4-BE49-F238E27FC236}">
+                <a16:creationId xmlns:a16="http://schemas.microsoft.com/office/drawing/2014/main" id="{4E2620C4-D37D-F84D-B528-180CC43D4289}"/>
+              </a:ext>
+            </a:extLst>
+          </p:cNvPr>
+          <p:cNvSpPr/>
+          <p:nvPr/>
+        </p:nvSpPr>
+        <p:spPr>
+          <a:xfrm rot="2140915">
+            <a:off x="6960191" y="662855"/>
+            <a:ext cx="1730941" cy="293994"/>
+          </a:xfrm>
+          <a:prstGeom prst="rightArrow">
+            <a:avLst/>
+          </a:prstGeom>
+        </p:spPr>
+        <p:style>
+          <a:lnRef idx="2">
+            <a:schemeClr val="dk1">
+              <a:shade val="50000"/>
+            </a:schemeClr>
+          </a:lnRef>
+          <a:fillRef idx="1">
+            <a:schemeClr val="dk1"/>
+          </a:fillRef>
+          <a:effectRef idx="0">
+            <a:schemeClr val="dk1"/>
+          </a:effectRef>
+          <a:fontRef idx="minor">
+            <a:schemeClr val="lt1"/>
+          </a:fontRef>
+        </p:style>
+        <p:txBody>
+          <a:bodyPr rtlCol="0" anchor="ctr"/>
+          <a:lstStyle/>
+          <a:p>
+            <a:pPr algn="ctr"/>
+            <a:endParaRPr lang="en-US"/>
+          </a:p>
+        </p:txBody>
+      </p:sp>
+      <p:sp>
+        <p:nvSpPr>
+          <p:cNvPr id="38" name="Right Arrow 37">
+            <a:extLst>
+              <a:ext uri="{FF2B5EF4-FFF2-40B4-BE49-F238E27FC236}">
+                <a16:creationId xmlns:a16="http://schemas.microsoft.com/office/drawing/2014/main" id="{D817F04F-9361-A742-8FAB-4FE04EE3AEF3}"/>
+              </a:ext>
+            </a:extLst>
+          </p:cNvPr>
+          <p:cNvSpPr/>
+          <p:nvPr/>
+        </p:nvSpPr>
+        <p:spPr>
+          <a:xfrm rot="8807741">
+            <a:off x="3579635" y="575821"/>
+            <a:ext cx="1730941" cy="293994"/>
+          </a:xfrm>
+          <a:prstGeom prst="rightArrow">
+            <a:avLst/>
+          </a:prstGeom>
+        </p:spPr>
+        <p:style>
+          <a:lnRef idx="2">
+            <a:schemeClr val="dk1">
+              <a:shade val="50000"/>
+            </a:schemeClr>
+          </a:lnRef>
+          <a:fillRef idx="1">
+            <a:schemeClr val="dk1"/>
+          </a:fillRef>
+          <a:effectRef idx="0">
+            <a:schemeClr val="dk1"/>
+          </a:effectRef>
+          <a:fontRef idx="minor">
+            <a:schemeClr val="lt1"/>
+          </a:fontRef>
+        </p:style>
+        <p:txBody>
+          <a:bodyPr rtlCol="0" anchor="ctr"/>
+          <a:lstStyle/>
+          <a:p>
+            <a:pPr algn="ctr"/>
+            <a:endParaRPr lang="en-US"/>
+          </a:p>
+        </p:txBody>
+      </p:sp>
+      <p:sp>
+        <p:nvSpPr>
+          <p:cNvPr id="39" name="Right Arrow 38">
+            <a:extLst>
+              <a:ext uri="{FF2B5EF4-FFF2-40B4-BE49-F238E27FC236}">
+                <a16:creationId xmlns:a16="http://schemas.microsoft.com/office/drawing/2014/main" id="{1D251145-4793-534A-8EAA-B33ED01A3E40}"/>
+              </a:ext>
+            </a:extLst>
+          </p:cNvPr>
+          <p:cNvSpPr/>
+          <p:nvPr/>
+        </p:nvSpPr>
+        <p:spPr>
+          <a:xfrm rot="6743747">
+            <a:off x="4984756" y="706581"/>
+            <a:ext cx="888494" cy="302504"/>
+          </a:xfrm>
+          <a:prstGeom prst="rightArrow">
+            <a:avLst/>
+          </a:prstGeom>
+        </p:spPr>
+        <p:style>
+          <a:lnRef idx="2">
+            <a:schemeClr val="dk1">
+              <a:shade val="50000"/>
+            </a:schemeClr>
+          </a:lnRef>
+          <a:fillRef idx="1">
+            <a:schemeClr val="dk1"/>
+          </a:fillRef>
+          <a:effectRef idx="0">
+            <a:schemeClr val="dk1"/>
+          </a:effectRef>
+          <a:fontRef idx="minor">
+            <a:schemeClr val="lt1"/>
+          </a:fontRef>
+        </p:style>
+        <p:txBody>
+          <a:bodyPr rtlCol="0" anchor="ctr"/>
+          <a:lstStyle/>
+          <a:p>
+            <a:pPr algn="ctr"/>
+            <a:endParaRPr lang="en-US"/>
+          </a:p>
+        </p:txBody>
+      </p:sp>
+      <p:sp>
+        <p:nvSpPr>
+          <p:cNvPr id="40" name="Right Arrow 39">
+            <a:extLst>
+              <a:ext uri="{FF2B5EF4-FFF2-40B4-BE49-F238E27FC236}">
+                <a16:creationId xmlns:a16="http://schemas.microsoft.com/office/drawing/2014/main" id="{F1E06513-1C4A-354C-BF73-107A6EECABA5}"/>
+              </a:ext>
+            </a:extLst>
+          </p:cNvPr>
+          <p:cNvSpPr/>
+          <p:nvPr/>
+        </p:nvSpPr>
+        <p:spPr>
+          <a:xfrm rot="4025216">
+            <a:off x="6272351" y="658601"/>
+            <a:ext cx="888494" cy="302504"/>
+          </a:xfrm>
+          <a:prstGeom prst="rightArrow">
+            <a:avLst/>
+          </a:prstGeom>
+        </p:spPr>
+        <p:style>
+          <a:lnRef idx="2">
+            <a:schemeClr val="dk1">
+              <a:shade val="50000"/>
+            </a:schemeClr>
+          </a:lnRef>
+          <a:fillRef idx="1">
+            <a:schemeClr val="dk1"/>
+          </a:fillRef>
+          <a:effectRef idx="0">
+            <a:schemeClr val="dk1"/>
+          </a:effectRef>
+          <a:fontRef idx="minor">
+            <a:schemeClr val="lt1"/>
+          </a:fontRef>
+        </p:style>
+        <p:txBody>
+          <a:bodyPr rtlCol="0" anchor="ctr"/>
+          <a:lstStyle/>
+          <a:p>
+            <a:pPr algn="ctr"/>
+            <a:endParaRPr lang="en-US"/>
+          </a:p>
+        </p:txBody>
+      </p:sp>
+      <p:sp>
+        <p:nvSpPr>
+          <p:cNvPr id="41" name="Right Arrow 40">
+            <a:extLst>
+              <a:ext uri="{FF2B5EF4-FFF2-40B4-BE49-F238E27FC236}">
+                <a16:creationId xmlns:a16="http://schemas.microsoft.com/office/drawing/2014/main" id="{CC2F5663-14B5-244A-8618-4A1C9CB9E02F}"/>
+              </a:ext>
+            </a:extLst>
+          </p:cNvPr>
+          <p:cNvSpPr/>
+          <p:nvPr/>
+        </p:nvSpPr>
+        <p:spPr>
+          <a:xfrm rot="2411986">
+            <a:off x="3818621" y="2704681"/>
+            <a:ext cx="1433386" cy="302504"/>
+          </a:xfrm>
+          <a:prstGeom prst="rightArrow">
+            <a:avLst/>
+          </a:prstGeom>
+        </p:spPr>
+        <p:style>
+          <a:lnRef idx="2">
+            <a:schemeClr val="dk1">
+              <a:shade val="50000"/>
+            </a:schemeClr>
+          </a:lnRef>
+          <a:fillRef idx="1">
+            <a:schemeClr val="dk1"/>
+          </a:fillRef>
+          <a:effectRef idx="0">
+            <a:schemeClr val="dk1"/>
+          </a:effectRef>
+          <a:fontRef idx="minor">
+            <a:schemeClr val="lt1"/>
+          </a:fontRef>
+        </p:style>
+        <p:txBody>
+          <a:bodyPr rtlCol="0" anchor="ctr"/>
+          <a:lstStyle/>
+          <a:p>
+            <a:pPr algn="ctr"/>
+            <a:endParaRPr lang="en-US"/>
+          </a:p>
+        </p:txBody>
+      </p:sp>
+      <p:sp>
+        <p:nvSpPr>
+          <p:cNvPr id="42" name="Right Arrow 41">
+            <a:extLst>
+              <a:ext uri="{FF2B5EF4-FFF2-40B4-BE49-F238E27FC236}">
+                <a16:creationId xmlns:a16="http://schemas.microsoft.com/office/drawing/2014/main" id="{17128927-483C-FF40-87C6-D138220C7CB4}"/>
+              </a:ext>
+            </a:extLst>
+          </p:cNvPr>
+          <p:cNvSpPr/>
+          <p:nvPr/>
+        </p:nvSpPr>
+        <p:spPr>
+          <a:xfrm rot="8048983">
+            <a:off x="6839675" y="2799778"/>
+            <a:ext cx="1433386" cy="302504"/>
+          </a:xfrm>
+          <a:prstGeom prst="rightArrow">
+            <a:avLst/>
+          </a:prstGeom>
+        </p:spPr>
+        <p:style>
+          <a:lnRef idx="2">
+            <a:schemeClr val="dk1">
+              <a:shade val="50000"/>
+            </a:schemeClr>
+          </a:lnRef>
+          <a:fillRef idx="1">
+            <a:schemeClr val="dk1"/>
+          </a:fillRef>
+          <a:effectRef idx="0">
+            <a:schemeClr val="dk1"/>
+          </a:effectRef>
+          <a:fontRef idx="minor">
+            <a:schemeClr val="lt1"/>
+          </a:fontRef>
+        </p:style>
+        <p:txBody>
+          <a:bodyPr rtlCol="0" anchor="ctr"/>
+          <a:lstStyle/>
+          <a:p>
+            <a:pPr algn="ctr"/>
+            <a:endParaRPr lang="en-US"/>
+          </a:p>
+        </p:txBody>
+      </p:sp>
+      <p:sp>
+        <p:nvSpPr>
+          <p:cNvPr id="43" name="Right Arrow 42">
+            <a:extLst>
+              <a:ext uri="{FF2B5EF4-FFF2-40B4-BE49-F238E27FC236}">
+                <a16:creationId xmlns:a16="http://schemas.microsoft.com/office/drawing/2014/main" id="{90DDAEE5-6AD7-B649-8BE5-DEB14717DE07}"/>
+              </a:ext>
+            </a:extLst>
+          </p:cNvPr>
+          <p:cNvSpPr/>
+          <p:nvPr/>
+        </p:nvSpPr>
+        <p:spPr>
+          <a:xfrm rot="6653789">
+            <a:off x="6265385" y="2699231"/>
+            <a:ext cx="959174" cy="272639"/>
+          </a:xfrm>
+          <a:prstGeom prst="rightArrow">
+            <a:avLst>
+              <a:gd name="adj1" fmla="val 52634"/>
+              <a:gd name="adj2" fmla="val 50000"/>
+            </a:avLst>
+          </a:prstGeom>
+        </p:spPr>
+        <p:style>
+          <a:lnRef idx="2">
+            <a:schemeClr val="dk1">
+              <a:shade val="50000"/>
+            </a:schemeClr>
+          </a:lnRef>
+          <a:fillRef idx="1">
+            <a:schemeClr val="dk1"/>
+          </a:fillRef>
+          <a:effectRef idx="0">
+            <a:schemeClr val="dk1"/>
+          </a:effectRef>
+          <a:fontRef idx="minor">
+            <a:schemeClr val="lt1"/>
+          </a:fontRef>
+        </p:style>
+        <p:txBody>
+          <a:bodyPr rtlCol="0" anchor="ctr"/>
+          <a:lstStyle/>
+          <a:p>
+            <a:pPr algn="ctr"/>
+            <a:endParaRPr lang="en-US"/>
+          </a:p>
+        </p:txBody>
+      </p:sp>
+      <p:sp>
+        <p:nvSpPr>
+          <p:cNvPr id="44" name="Right Arrow 43">
+            <a:extLst>
+              <a:ext uri="{FF2B5EF4-FFF2-40B4-BE49-F238E27FC236}">
+                <a16:creationId xmlns:a16="http://schemas.microsoft.com/office/drawing/2014/main" id="{B247CF6B-5349-6B44-AF9F-98961DF9BB95}"/>
+              </a:ext>
+            </a:extLst>
+          </p:cNvPr>
+          <p:cNvSpPr/>
+          <p:nvPr/>
+        </p:nvSpPr>
+        <p:spPr>
+          <a:xfrm rot="4103846">
+            <a:off x="5261118" y="2679610"/>
+            <a:ext cx="959174" cy="272639"/>
+          </a:xfrm>
+          <a:prstGeom prst="rightArrow">
+            <a:avLst>
+              <a:gd name="adj1" fmla="val 52634"/>
+              <a:gd name="adj2" fmla="val 50000"/>
+            </a:avLst>
+          </a:prstGeom>
+        </p:spPr>
+        <p:style>
+          <a:lnRef idx="2">
+            <a:schemeClr val="dk1">
+              <a:shade val="50000"/>
+            </a:schemeClr>
+          </a:lnRef>
+          <a:fillRef idx="1">
+            <a:schemeClr val="dk1"/>
+          </a:fillRef>
+          <a:effectRef idx="0">
+            <a:schemeClr val="dk1"/>
+          </a:effectRef>
+          <a:fontRef idx="minor">
+            <a:schemeClr val="lt1"/>
+          </a:fontRef>
+        </p:style>
+        <p:txBody>
+          <a:bodyPr rtlCol="0" anchor="ctr"/>
+          <a:lstStyle/>
+          <a:p>
+            <a:pPr algn="ctr"/>
+            <a:endParaRPr lang="en-US"/>
+          </a:p>
+        </p:txBody>
+      </p:sp>
+      <p:sp>
+        <p:nvSpPr>
+          <p:cNvPr id="46" name="Rectangle 45">
+            <a:extLst>
+              <a:ext uri="{FF2B5EF4-FFF2-40B4-BE49-F238E27FC236}">
+                <a16:creationId xmlns:a16="http://schemas.microsoft.com/office/drawing/2014/main" id="{C925D62B-8C8F-D548-86D0-6780E9B29F37}"/>
+              </a:ext>
+            </a:extLst>
+          </p:cNvPr>
+          <p:cNvSpPr/>
+          <p:nvPr/>
+        </p:nvSpPr>
+        <p:spPr>
+          <a:xfrm rot="16200000">
+            <a:off x="725174" y="3013503"/>
+            <a:ext cx="2579552" cy="830997"/>
+          </a:xfrm>
+          <a:prstGeom prst="rect">
+            <a:avLst/>
+          </a:prstGeom>
+        </p:spPr>
+        <p:txBody>
+          <a:bodyPr wrap="none">
+            <a:spAutoFit/>
+          </a:bodyPr>
+          <a:lstStyle/>
+          <a:p>
+            <a:r>
+              <a:rPr lang="en-US" sz="4800" dirty="0" err="1">
+                <a:solidFill>
+                  <a:srgbClr val="333333"/>
+                </a:solidFill>
+                <a:latin typeface="Arial" panose="020B0604020202020204" pitchFamily="34" charset="0"/>
+              </a:rPr>
+              <a:t>SmellML</a:t>
+            </a:r>
+            <a:endParaRPr lang="en-US" sz="4800" dirty="0"/>
+          </a:p>
+        </p:txBody>
+      </p:sp>
+    </p:spTree>
+    <p:extLst>
+      <p:ext uri="{BB962C8B-B14F-4D97-AF65-F5344CB8AC3E}">
+        <p14:creationId xmlns:p14="http://schemas.microsoft.com/office/powerpoint/2010/main" val="3605072479"/>
+      </p:ext>
+    </p:extLst>
+  </p:cSld>
+  <p:clrMapOvr>
+    <a:masterClrMapping/>
+  </p:clrMapOvr>
+</p:sld>
+</file>
+
 <file path=ppt/theme/theme1.xml><?xml version="1.0" encoding="utf-8"?>
 <a:theme xmlns:a="http://schemas.openxmlformats.org/drawingml/2006/main" name="Office Theme">
   <a:themeElements>
